--- a/Presentation/DDR in Ovarian Cancer.pptx
+++ b/Presentation/DDR in Ovarian Cancer.pptx
@@ -11,6 +11,9 @@
     <p:sldId id="259" r:id="rId5"/>
     <p:sldId id="261" r:id="rId6"/>
     <p:sldId id="260" r:id="rId7"/>
+    <p:sldId id="262" r:id="rId8"/>
+    <p:sldId id="263" r:id="rId9"/>
+    <p:sldId id="264" r:id="rId10"/>
   </p:sldIdLst>
   <p:sldSz cx="12192000" cy="6858000"/>
   <p:notesSz cx="6858000" cy="9144000"/>
@@ -134,7 +137,7 @@
           <p:cNvPr id="2" name="Title 1">
             <a:extLst>
               <a:ext uri="{FF2B5EF4-FFF2-40B4-BE49-F238E27FC236}">
-                <a16:creationId xmlns:a16="http://schemas.microsoft.com/office/drawing/2014/main" id="{29209B5D-09C5-F645-908E-7B68258EB4A0}"/>
+                <a16:creationId xmlns:a16="http://schemas.microsoft.com/office/drawing/2014/main" xmlns="" id="{29209B5D-09C5-F645-908E-7B68258EB4A0}"/>
               </a:ext>
             </a:extLst>
           </p:cNvPr>
@@ -171,7 +174,7 @@
           <p:cNvPr id="3" name="Subtitle 2">
             <a:extLst>
               <a:ext uri="{FF2B5EF4-FFF2-40B4-BE49-F238E27FC236}">
-                <a16:creationId xmlns:a16="http://schemas.microsoft.com/office/drawing/2014/main" id="{F6D0D48D-7142-044A-9BF3-E9E9C294B1BF}"/>
+                <a16:creationId xmlns:a16="http://schemas.microsoft.com/office/drawing/2014/main" xmlns="" id="{F6D0D48D-7142-044A-9BF3-E9E9C294B1BF}"/>
               </a:ext>
             </a:extLst>
           </p:cNvPr>
@@ -241,7 +244,7 @@
           <p:cNvPr id="4" name="Date Placeholder 3">
             <a:extLst>
               <a:ext uri="{FF2B5EF4-FFF2-40B4-BE49-F238E27FC236}">
-                <a16:creationId xmlns:a16="http://schemas.microsoft.com/office/drawing/2014/main" id="{F3CDFED8-E674-0644-8B6D-1CF6CA73EE6F}"/>
+                <a16:creationId xmlns:a16="http://schemas.microsoft.com/office/drawing/2014/main" xmlns="" id="{F3CDFED8-E674-0644-8B6D-1CF6CA73EE6F}"/>
               </a:ext>
             </a:extLst>
           </p:cNvPr>
@@ -259,7 +262,7 @@
           <a:p>
             <a:fld id="{26107E5D-E1CB-B14F-A407-F75AE50E5731}" type="datetimeFigureOut">
               <a:rPr lang="en-US" smtClean="0"/>
-              <a:t>4/5/18</a:t>
+              <a:t>4/7/18</a:t>
             </a:fld>
             <a:endParaRPr lang="en-US"/>
           </a:p>
@@ -270,7 +273,7 @@
           <p:cNvPr id="5" name="Footer Placeholder 4">
             <a:extLst>
               <a:ext uri="{FF2B5EF4-FFF2-40B4-BE49-F238E27FC236}">
-                <a16:creationId xmlns:a16="http://schemas.microsoft.com/office/drawing/2014/main" id="{7B59880B-C95C-8546-A7EA-6A1397EF75E6}"/>
+                <a16:creationId xmlns:a16="http://schemas.microsoft.com/office/drawing/2014/main" xmlns="" id="{7B59880B-C95C-8546-A7EA-6A1397EF75E6}"/>
               </a:ext>
             </a:extLst>
           </p:cNvPr>
@@ -295,7 +298,7 @@
           <p:cNvPr id="6" name="Slide Number Placeholder 5">
             <a:extLst>
               <a:ext uri="{FF2B5EF4-FFF2-40B4-BE49-F238E27FC236}">
-                <a16:creationId xmlns:a16="http://schemas.microsoft.com/office/drawing/2014/main" id="{1D6865FE-F7A6-1446-A5E7-3E05E5D862E4}"/>
+                <a16:creationId xmlns:a16="http://schemas.microsoft.com/office/drawing/2014/main" xmlns="" id="{1D6865FE-F7A6-1446-A5E7-3E05E5D862E4}"/>
               </a:ext>
             </a:extLst>
           </p:cNvPr>
@@ -354,7 +357,7 @@
           <p:cNvPr id="2" name="Title 1">
             <a:extLst>
               <a:ext uri="{FF2B5EF4-FFF2-40B4-BE49-F238E27FC236}">
-                <a16:creationId xmlns:a16="http://schemas.microsoft.com/office/drawing/2014/main" id="{08EB1391-9A14-834A-BF14-64C0FA0CEB24}"/>
+                <a16:creationId xmlns:a16="http://schemas.microsoft.com/office/drawing/2014/main" xmlns="" id="{08EB1391-9A14-834A-BF14-64C0FA0CEB24}"/>
               </a:ext>
             </a:extLst>
           </p:cNvPr>
@@ -382,7 +385,7 @@
           <p:cNvPr id="3" name="Vertical Text Placeholder 2">
             <a:extLst>
               <a:ext uri="{FF2B5EF4-FFF2-40B4-BE49-F238E27FC236}">
-                <a16:creationId xmlns:a16="http://schemas.microsoft.com/office/drawing/2014/main" id="{05CFA1B9-8114-AD45-9201-4F7B841995F1}"/>
+                <a16:creationId xmlns:a16="http://schemas.microsoft.com/office/drawing/2014/main" xmlns="" id="{05CFA1B9-8114-AD45-9201-4F7B841995F1}"/>
               </a:ext>
             </a:extLst>
           </p:cNvPr>
@@ -439,7 +442,7 @@
           <p:cNvPr id="4" name="Date Placeholder 3">
             <a:extLst>
               <a:ext uri="{FF2B5EF4-FFF2-40B4-BE49-F238E27FC236}">
-                <a16:creationId xmlns:a16="http://schemas.microsoft.com/office/drawing/2014/main" id="{442B033B-2861-5D41-8D90-AE9A86EBF34C}"/>
+                <a16:creationId xmlns:a16="http://schemas.microsoft.com/office/drawing/2014/main" xmlns="" id="{442B033B-2861-5D41-8D90-AE9A86EBF34C}"/>
               </a:ext>
             </a:extLst>
           </p:cNvPr>
@@ -457,7 +460,7 @@
           <a:p>
             <a:fld id="{26107E5D-E1CB-B14F-A407-F75AE50E5731}" type="datetimeFigureOut">
               <a:rPr lang="en-US" smtClean="0"/>
-              <a:t>4/5/18</a:t>
+              <a:t>4/7/18</a:t>
             </a:fld>
             <a:endParaRPr lang="en-US"/>
           </a:p>
@@ -468,7 +471,7 @@
           <p:cNvPr id="5" name="Footer Placeholder 4">
             <a:extLst>
               <a:ext uri="{FF2B5EF4-FFF2-40B4-BE49-F238E27FC236}">
-                <a16:creationId xmlns:a16="http://schemas.microsoft.com/office/drawing/2014/main" id="{5C8C9EAE-73F0-4E4D-B50D-9D038B9B81B6}"/>
+                <a16:creationId xmlns:a16="http://schemas.microsoft.com/office/drawing/2014/main" xmlns="" id="{5C8C9EAE-73F0-4E4D-B50D-9D038B9B81B6}"/>
               </a:ext>
             </a:extLst>
           </p:cNvPr>
@@ -493,7 +496,7 @@
           <p:cNvPr id="6" name="Slide Number Placeholder 5">
             <a:extLst>
               <a:ext uri="{FF2B5EF4-FFF2-40B4-BE49-F238E27FC236}">
-                <a16:creationId xmlns:a16="http://schemas.microsoft.com/office/drawing/2014/main" id="{9ACFB27F-F20E-444F-B840-BB8DDD2B31D2}"/>
+                <a16:creationId xmlns:a16="http://schemas.microsoft.com/office/drawing/2014/main" xmlns="" id="{9ACFB27F-F20E-444F-B840-BB8DDD2B31D2}"/>
               </a:ext>
             </a:extLst>
           </p:cNvPr>
@@ -552,7 +555,7 @@
           <p:cNvPr id="2" name="Vertical Title 1">
             <a:extLst>
               <a:ext uri="{FF2B5EF4-FFF2-40B4-BE49-F238E27FC236}">
-                <a16:creationId xmlns:a16="http://schemas.microsoft.com/office/drawing/2014/main" id="{70983835-41F7-DD43-A382-84A9AE9E9C96}"/>
+                <a16:creationId xmlns:a16="http://schemas.microsoft.com/office/drawing/2014/main" xmlns="" id="{70983835-41F7-DD43-A382-84A9AE9E9C96}"/>
               </a:ext>
             </a:extLst>
           </p:cNvPr>
@@ -585,7 +588,7 @@
           <p:cNvPr id="3" name="Vertical Text Placeholder 2">
             <a:extLst>
               <a:ext uri="{FF2B5EF4-FFF2-40B4-BE49-F238E27FC236}">
-                <a16:creationId xmlns:a16="http://schemas.microsoft.com/office/drawing/2014/main" id="{F6050CE6-EFB2-CC48-A151-DA2D84FF6280}"/>
+                <a16:creationId xmlns:a16="http://schemas.microsoft.com/office/drawing/2014/main" xmlns="" id="{F6050CE6-EFB2-CC48-A151-DA2D84FF6280}"/>
               </a:ext>
             </a:extLst>
           </p:cNvPr>
@@ -647,7 +650,7 @@
           <p:cNvPr id="4" name="Date Placeholder 3">
             <a:extLst>
               <a:ext uri="{FF2B5EF4-FFF2-40B4-BE49-F238E27FC236}">
-                <a16:creationId xmlns:a16="http://schemas.microsoft.com/office/drawing/2014/main" id="{7F042625-7313-ED45-9F04-C75D017306B8}"/>
+                <a16:creationId xmlns:a16="http://schemas.microsoft.com/office/drawing/2014/main" xmlns="" id="{7F042625-7313-ED45-9F04-C75D017306B8}"/>
               </a:ext>
             </a:extLst>
           </p:cNvPr>
@@ -665,7 +668,7 @@
           <a:p>
             <a:fld id="{26107E5D-E1CB-B14F-A407-F75AE50E5731}" type="datetimeFigureOut">
               <a:rPr lang="en-US" smtClean="0"/>
-              <a:t>4/5/18</a:t>
+              <a:t>4/7/18</a:t>
             </a:fld>
             <a:endParaRPr lang="en-US"/>
           </a:p>
@@ -676,7 +679,7 @@
           <p:cNvPr id="5" name="Footer Placeholder 4">
             <a:extLst>
               <a:ext uri="{FF2B5EF4-FFF2-40B4-BE49-F238E27FC236}">
-                <a16:creationId xmlns:a16="http://schemas.microsoft.com/office/drawing/2014/main" id="{F9ECA103-A194-4949-B4AB-ADB0835A9458}"/>
+                <a16:creationId xmlns:a16="http://schemas.microsoft.com/office/drawing/2014/main" xmlns="" id="{F9ECA103-A194-4949-B4AB-ADB0835A9458}"/>
               </a:ext>
             </a:extLst>
           </p:cNvPr>
@@ -701,7 +704,7 @@
           <p:cNvPr id="6" name="Slide Number Placeholder 5">
             <a:extLst>
               <a:ext uri="{FF2B5EF4-FFF2-40B4-BE49-F238E27FC236}">
-                <a16:creationId xmlns:a16="http://schemas.microsoft.com/office/drawing/2014/main" id="{C42096E5-2750-D141-8732-E1EC2DAC66EA}"/>
+                <a16:creationId xmlns:a16="http://schemas.microsoft.com/office/drawing/2014/main" xmlns="" id="{C42096E5-2750-D141-8732-E1EC2DAC66EA}"/>
               </a:ext>
             </a:extLst>
           </p:cNvPr>
@@ -760,7 +763,7 @@
           <p:cNvPr id="2" name="Title 1">
             <a:extLst>
               <a:ext uri="{FF2B5EF4-FFF2-40B4-BE49-F238E27FC236}">
-                <a16:creationId xmlns:a16="http://schemas.microsoft.com/office/drawing/2014/main" id="{F811215D-EF7D-8C48-8019-BD6CCEFEFBF4}"/>
+                <a16:creationId xmlns:a16="http://schemas.microsoft.com/office/drawing/2014/main" xmlns="" id="{F811215D-EF7D-8C48-8019-BD6CCEFEFBF4}"/>
               </a:ext>
             </a:extLst>
           </p:cNvPr>
@@ -788,7 +791,7 @@
           <p:cNvPr id="3" name="Content Placeholder 2">
             <a:extLst>
               <a:ext uri="{FF2B5EF4-FFF2-40B4-BE49-F238E27FC236}">
-                <a16:creationId xmlns:a16="http://schemas.microsoft.com/office/drawing/2014/main" id="{07A65AA6-BF6C-1845-81F4-47A054BAAD69}"/>
+                <a16:creationId xmlns:a16="http://schemas.microsoft.com/office/drawing/2014/main" xmlns="" id="{07A65AA6-BF6C-1845-81F4-47A054BAAD69}"/>
               </a:ext>
             </a:extLst>
           </p:cNvPr>
@@ -845,7 +848,7 @@
           <p:cNvPr id="4" name="Date Placeholder 3">
             <a:extLst>
               <a:ext uri="{FF2B5EF4-FFF2-40B4-BE49-F238E27FC236}">
-                <a16:creationId xmlns:a16="http://schemas.microsoft.com/office/drawing/2014/main" id="{2695E639-5709-3642-A164-0E3F777F5F92}"/>
+                <a16:creationId xmlns:a16="http://schemas.microsoft.com/office/drawing/2014/main" xmlns="" id="{2695E639-5709-3642-A164-0E3F777F5F92}"/>
               </a:ext>
             </a:extLst>
           </p:cNvPr>
@@ -863,7 +866,7 @@
           <a:p>
             <a:fld id="{26107E5D-E1CB-B14F-A407-F75AE50E5731}" type="datetimeFigureOut">
               <a:rPr lang="en-US" smtClean="0"/>
-              <a:t>4/5/18</a:t>
+              <a:t>4/7/18</a:t>
             </a:fld>
             <a:endParaRPr lang="en-US"/>
           </a:p>
@@ -874,7 +877,7 @@
           <p:cNvPr id="5" name="Footer Placeholder 4">
             <a:extLst>
               <a:ext uri="{FF2B5EF4-FFF2-40B4-BE49-F238E27FC236}">
-                <a16:creationId xmlns:a16="http://schemas.microsoft.com/office/drawing/2014/main" id="{40831E19-76B0-4645-A147-E6301964CA54}"/>
+                <a16:creationId xmlns:a16="http://schemas.microsoft.com/office/drawing/2014/main" xmlns="" id="{40831E19-76B0-4645-A147-E6301964CA54}"/>
               </a:ext>
             </a:extLst>
           </p:cNvPr>
@@ -899,7 +902,7 @@
           <p:cNvPr id="6" name="Slide Number Placeholder 5">
             <a:extLst>
               <a:ext uri="{FF2B5EF4-FFF2-40B4-BE49-F238E27FC236}">
-                <a16:creationId xmlns:a16="http://schemas.microsoft.com/office/drawing/2014/main" id="{CE113069-3EBA-6745-A1F1-B3C7155787C2}"/>
+                <a16:creationId xmlns:a16="http://schemas.microsoft.com/office/drawing/2014/main" xmlns="" id="{CE113069-3EBA-6745-A1F1-B3C7155787C2}"/>
               </a:ext>
             </a:extLst>
           </p:cNvPr>
@@ -958,7 +961,7 @@
           <p:cNvPr id="2" name="Title 1">
             <a:extLst>
               <a:ext uri="{FF2B5EF4-FFF2-40B4-BE49-F238E27FC236}">
-                <a16:creationId xmlns:a16="http://schemas.microsoft.com/office/drawing/2014/main" id="{C27ACB57-74A9-2445-B46E-03E547CBD026}"/>
+                <a16:creationId xmlns:a16="http://schemas.microsoft.com/office/drawing/2014/main" xmlns="" id="{C27ACB57-74A9-2445-B46E-03E547CBD026}"/>
               </a:ext>
             </a:extLst>
           </p:cNvPr>
@@ -995,7 +998,7 @@
           <p:cNvPr id="3" name="Text Placeholder 2">
             <a:extLst>
               <a:ext uri="{FF2B5EF4-FFF2-40B4-BE49-F238E27FC236}">
-                <a16:creationId xmlns:a16="http://schemas.microsoft.com/office/drawing/2014/main" id="{F7936B61-BACB-6849-9FF8-8C2D13E5C446}"/>
+                <a16:creationId xmlns:a16="http://schemas.microsoft.com/office/drawing/2014/main" xmlns="" id="{F7936B61-BACB-6849-9FF8-8C2D13E5C446}"/>
               </a:ext>
             </a:extLst>
           </p:cNvPr>
@@ -1120,7 +1123,7 @@
           <p:cNvPr id="4" name="Date Placeholder 3">
             <a:extLst>
               <a:ext uri="{FF2B5EF4-FFF2-40B4-BE49-F238E27FC236}">
-                <a16:creationId xmlns:a16="http://schemas.microsoft.com/office/drawing/2014/main" id="{57978307-EA34-D94C-A526-7DDB3EEB8E1E}"/>
+                <a16:creationId xmlns:a16="http://schemas.microsoft.com/office/drawing/2014/main" xmlns="" id="{57978307-EA34-D94C-A526-7DDB3EEB8E1E}"/>
               </a:ext>
             </a:extLst>
           </p:cNvPr>
@@ -1138,7 +1141,7 @@
           <a:p>
             <a:fld id="{26107E5D-E1CB-B14F-A407-F75AE50E5731}" type="datetimeFigureOut">
               <a:rPr lang="en-US" smtClean="0"/>
-              <a:t>4/5/18</a:t>
+              <a:t>4/7/18</a:t>
             </a:fld>
             <a:endParaRPr lang="en-US"/>
           </a:p>
@@ -1149,7 +1152,7 @@
           <p:cNvPr id="5" name="Footer Placeholder 4">
             <a:extLst>
               <a:ext uri="{FF2B5EF4-FFF2-40B4-BE49-F238E27FC236}">
-                <a16:creationId xmlns:a16="http://schemas.microsoft.com/office/drawing/2014/main" id="{899550BA-827F-E346-A73D-E8C3807065E5}"/>
+                <a16:creationId xmlns:a16="http://schemas.microsoft.com/office/drawing/2014/main" xmlns="" id="{899550BA-827F-E346-A73D-E8C3807065E5}"/>
               </a:ext>
             </a:extLst>
           </p:cNvPr>
@@ -1174,7 +1177,7 @@
           <p:cNvPr id="6" name="Slide Number Placeholder 5">
             <a:extLst>
               <a:ext uri="{FF2B5EF4-FFF2-40B4-BE49-F238E27FC236}">
-                <a16:creationId xmlns:a16="http://schemas.microsoft.com/office/drawing/2014/main" id="{B7349957-EEB7-2241-AB61-D25BB81AB28A}"/>
+                <a16:creationId xmlns:a16="http://schemas.microsoft.com/office/drawing/2014/main" xmlns="" id="{B7349957-EEB7-2241-AB61-D25BB81AB28A}"/>
               </a:ext>
             </a:extLst>
           </p:cNvPr>
@@ -1233,7 +1236,7 @@
           <p:cNvPr id="2" name="Title 1">
             <a:extLst>
               <a:ext uri="{FF2B5EF4-FFF2-40B4-BE49-F238E27FC236}">
-                <a16:creationId xmlns:a16="http://schemas.microsoft.com/office/drawing/2014/main" id="{61C4E6C4-7AB1-C442-9FC7-610D2A427CEC}"/>
+                <a16:creationId xmlns:a16="http://schemas.microsoft.com/office/drawing/2014/main" xmlns="" id="{61C4E6C4-7AB1-C442-9FC7-610D2A427CEC}"/>
               </a:ext>
             </a:extLst>
           </p:cNvPr>
@@ -1261,7 +1264,7 @@
           <p:cNvPr id="3" name="Content Placeholder 2">
             <a:extLst>
               <a:ext uri="{FF2B5EF4-FFF2-40B4-BE49-F238E27FC236}">
-                <a16:creationId xmlns:a16="http://schemas.microsoft.com/office/drawing/2014/main" id="{A1EF8E44-27B3-EA4B-97D7-362B61FB6919}"/>
+                <a16:creationId xmlns:a16="http://schemas.microsoft.com/office/drawing/2014/main" xmlns="" id="{A1EF8E44-27B3-EA4B-97D7-362B61FB6919}"/>
               </a:ext>
             </a:extLst>
           </p:cNvPr>
@@ -1323,7 +1326,7 @@
           <p:cNvPr id="4" name="Content Placeholder 3">
             <a:extLst>
               <a:ext uri="{FF2B5EF4-FFF2-40B4-BE49-F238E27FC236}">
-                <a16:creationId xmlns:a16="http://schemas.microsoft.com/office/drawing/2014/main" id="{0D06EA76-B78F-474C-A79B-2F65A70FDB9D}"/>
+                <a16:creationId xmlns:a16="http://schemas.microsoft.com/office/drawing/2014/main" xmlns="" id="{0D06EA76-B78F-474C-A79B-2F65A70FDB9D}"/>
               </a:ext>
             </a:extLst>
           </p:cNvPr>
@@ -1385,7 +1388,7 @@
           <p:cNvPr id="5" name="Date Placeholder 4">
             <a:extLst>
               <a:ext uri="{FF2B5EF4-FFF2-40B4-BE49-F238E27FC236}">
-                <a16:creationId xmlns:a16="http://schemas.microsoft.com/office/drawing/2014/main" id="{833AC47E-249A-904D-98A3-532FCE9C017D}"/>
+                <a16:creationId xmlns:a16="http://schemas.microsoft.com/office/drawing/2014/main" xmlns="" id="{833AC47E-249A-904D-98A3-532FCE9C017D}"/>
               </a:ext>
             </a:extLst>
           </p:cNvPr>
@@ -1403,7 +1406,7 @@
           <a:p>
             <a:fld id="{26107E5D-E1CB-B14F-A407-F75AE50E5731}" type="datetimeFigureOut">
               <a:rPr lang="en-US" smtClean="0"/>
-              <a:t>4/5/18</a:t>
+              <a:t>4/7/18</a:t>
             </a:fld>
             <a:endParaRPr lang="en-US"/>
           </a:p>
@@ -1414,7 +1417,7 @@
           <p:cNvPr id="6" name="Footer Placeholder 5">
             <a:extLst>
               <a:ext uri="{FF2B5EF4-FFF2-40B4-BE49-F238E27FC236}">
-                <a16:creationId xmlns:a16="http://schemas.microsoft.com/office/drawing/2014/main" id="{61E18598-C64F-4349-A79F-02A93B1F9FEE}"/>
+                <a16:creationId xmlns:a16="http://schemas.microsoft.com/office/drawing/2014/main" xmlns="" id="{61E18598-C64F-4349-A79F-02A93B1F9FEE}"/>
               </a:ext>
             </a:extLst>
           </p:cNvPr>
@@ -1439,7 +1442,7 @@
           <p:cNvPr id="7" name="Slide Number Placeholder 6">
             <a:extLst>
               <a:ext uri="{FF2B5EF4-FFF2-40B4-BE49-F238E27FC236}">
-                <a16:creationId xmlns:a16="http://schemas.microsoft.com/office/drawing/2014/main" id="{5F5BADE5-295A-504C-A5BC-3BC586844032}"/>
+                <a16:creationId xmlns:a16="http://schemas.microsoft.com/office/drawing/2014/main" xmlns="" id="{5F5BADE5-295A-504C-A5BC-3BC586844032}"/>
               </a:ext>
             </a:extLst>
           </p:cNvPr>
@@ -1498,7 +1501,7 @@
           <p:cNvPr id="2" name="Title 1">
             <a:extLst>
               <a:ext uri="{FF2B5EF4-FFF2-40B4-BE49-F238E27FC236}">
-                <a16:creationId xmlns:a16="http://schemas.microsoft.com/office/drawing/2014/main" id="{38FF6B77-0EFB-D742-B80A-73AE1556E457}"/>
+                <a16:creationId xmlns:a16="http://schemas.microsoft.com/office/drawing/2014/main" xmlns="" id="{38FF6B77-0EFB-D742-B80A-73AE1556E457}"/>
               </a:ext>
             </a:extLst>
           </p:cNvPr>
@@ -1531,7 +1534,7 @@
           <p:cNvPr id="3" name="Text Placeholder 2">
             <a:extLst>
               <a:ext uri="{FF2B5EF4-FFF2-40B4-BE49-F238E27FC236}">
-                <a16:creationId xmlns:a16="http://schemas.microsoft.com/office/drawing/2014/main" id="{9C429061-2EE1-6340-8E09-FA37E0F4885A}"/>
+                <a16:creationId xmlns:a16="http://schemas.microsoft.com/office/drawing/2014/main" xmlns="" id="{9C429061-2EE1-6340-8E09-FA37E0F4885A}"/>
               </a:ext>
             </a:extLst>
           </p:cNvPr>
@@ -1602,7 +1605,7 @@
           <p:cNvPr id="4" name="Content Placeholder 3">
             <a:extLst>
               <a:ext uri="{FF2B5EF4-FFF2-40B4-BE49-F238E27FC236}">
-                <a16:creationId xmlns:a16="http://schemas.microsoft.com/office/drawing/2014/main" id="{7E103162-FE6C-F749-A396-2125BC933317}"/>
+                <a16:creationId xmlns:a16="http://schemas.microsoft.com/office/drawing/2014/main" xmlns="" id="{7E103162-FE6C-F749-A396-2125BC933317}"/>
               </a:ext>
             </a:extLst>
           </p:cNvPr>
@@ -1664,7 +1667,7 @@
           <p:cNvPr id="5" name="Text Placeholder 4">
             <a:extLst>
               <a:ext uri="{FF2B5EF4-FFF2-40B4-BE49-F238E27FC236}">
-                <a16:creationId xmlns:a16="http://schemas.microsoft.com/office/drawing/2014/main" id="{48C0D5A2-73B3-1E40-A426-5AC37A160FE3}"/>
+                <a16:creationId xmlns:a16="http://schemas.microsoft.com/office/drawing/2014/main" xmlns="" id="{48C0D5A2-73B3-1E40-A426-5AC37A160FE3}"/>
               </a:ext>
             </a:extLst>
           </p:cNvPr>
@@ -1735,7 +1738,7 @@
           <p:cNvPr id="6" name="Content Placeholder 5">
             <a:extLst>
               <a:ext uri="{FF2B5EF4-FFF2-40B4-BE49-F238E27FC236}">
-                <a16:creationId xmlns:a16="http://schemas.microsoft.com/office/drawing/2014/main" id="{F40FE8EE-9BAE-B843-A44A-8FFC4D17DC51}"/>
+                <a16:creationId xmlns:a16="http://schemas.microsoft.com/office/drawing/2014/main" xmlns="" id="{F40FE8EE-9BAE-B843-A44A-8FFC4D17DC51}"/>
               </a:ext>
             </a:extLst>
           </p:cNvPr>
@@ -1797,7 +1800,7 @@
           <p:cNvPr id="7" name="Date Placeholder 6">
             <a:extLst>
               <a:ext uri="{FF2B5EF4-FFF2-40B4-BE49-F238E27FC236}">
-                <a16:creationId xmlns:a16="http://schemas.microsoft.com/office/drawing/2014/main" id="{6E9B641B-E309-D649-ADBD-275470CBB7D1}"/>
+                <a16:creationId xmlns:a16="http://schemas.microsoft.com/office/drawing/2014/main" xmlns="" id="{6E9B641B-E309-D649-ADBD-275470CBB7D1}"/>
               </a:ext>
             </a:extLst>
           </p:cNvPr>
@@ -1815,7 +1818,7 @@
           <a:p>
             <a:fld id="{26107E5D-E1CB-B14F-A407-F75AE50E5731}" type="datetimeFigureOut">
               <a:rPr lang="en-US" smtClean="0"/>
-              <a:t>4/5/18</a:t>
+              <a:t>4/7/18</a:t>
             </a:fld>
             <a:endParaRPr lang="en-US"/>
           </a:p>
@@ -1826,7 +1829,7 @@
           <p:cNvPr id="8" name="Footer Placeholder 7">
             <a:extLst>
               <a:ext uri="{FF2B5EF4-FFF2-40B4-BE49-F238E27FC236}">
-                <a16:creationId xmlns:a16="http://schemas.microsoft.com/office/drawing/2014/main" id="{2CBA40BC-3661-634B-ACDF-4BEDE918DF31}"/>
+                <a16:creationId xmlns:a16="http://schemas.microsoft.com/office/drawing/2014/main" xmlns="" id="{2CBA40BC-3661-634B-ACDF-4BEDE918DF31}"/>
               </a:ext>
             </a:extLst>
           </p:cNvPr>
@@ -1851,7 +1854,7 @@
           <p:cNvPr id="9" name="Slide Number Placeholder 8">
             <a:extLst>
               <a:ext uri="{FF2B5EF4-FFF2-40B4-BE49-F238E27FC236}">
-                <a16:creationId xmlns:a16="http://schemas.microsoft.com/office/drawing/2014/main" id="{1B2C49B2-54F7-4246-B7DA-7BC6677F43E1}"/>
+                <a16:creationId xmlns:a16="http://schemas.microsoft.com/office/drawing/2014/main" xmlns="" id="{1B2C49B2-54F7-4246-B7DA-7BC6677F43E1}"/>
               </a:ext>
             </a:extLst>
           </p:cNvPr>
@@ -1910,7 +1913,7 @@
           <p:cNvPr id="2" name="Title 1">
             <a:extLst>
               <a:ext uri="{FF2B5EF4-FFF2-40B4-BE49-F238E27FC236}">
-                <a16:creationId xmlns:a16="http://schemas.microsoft.com/office/drawing/2014/main" id="{35ACA1B1-D050-8449-94BB-8F027BA71926}"/>
+                <a16:creationId xmlns:a16="http://schemas.microsoft.com/office/drawing/2014/main" xmlns="" id="{35ACA1B1-D050-8449-94BB-8F027BA71926}"/>
               </a:ext>
             </a:extLst>
           </p:cNvPr>
@@ -1938,7 +1941,7 @@
           <p:cNvPr id="3" name="Date Placeholder 2">
             <a:extLst>
               <a:ext uri="{FF2B5EF4-FFF2-40B4-BE49-F238E27FC236}">
-                <a16:creationId xmlns:a16="http://schemas.microsoft.com/office/drawing/2014/main" id="{D53CC007-F093-3A48-B485-8C6A8B0BEBED}"/>
+                <a16:creationId xmlns:a16="http://schemas.microsoft.com/office/drawing/2014/main" xmlns="" id="{D53CC007-F093-3A48-B485-8C6A8B0BEBED}"/>
               </a:ext>
             </a:extLst>
           </p:cNvPr>
@@ -1956,7 +1959,7 @@
           <a:p>
             <a:fld id="{26107E5D-E1CB-B14F-A407-F75AE50E5731}" type="datetimeFigureOut">
               <a:rPr lang="en-US" smtClean="0"/>
-              <a:t>4/5/18</a:t>
+              <a:t>4/7/18</a:t>
             </a:fld>
             <a:endParaRPr lang="en-US"/>
           </a:p>
@@ -1967,7 +1970,7 @@
           <p:cNvPr id="4" name="Footer Placeholder 3">
             <a:extLst>
               <a:ext uri="{FF2B5EF4-FFF2-40B4-BE49-F238E27FC236}">
-                <a16:creationId xmlns:a16="http://schemas.microsoft.com/office/drawing/2014/main" id="{337ADB99-A0F0-804D-A30B-6A737DDA3733}"/>
+                <a16:creationId xmlns:a16="http://schemas.microsoft.com/office/drawing/2014/main" xmlns="" id="{337ADB99-A0F0-804D-A30B-6A737DDA3733}"/>
               </a:ext>
             </a:extLst>
           </p:cNvPr>
@@ -1992,7 +1995,7 @@
           <p:cNvPr id="5" name="Slide Number Placeholder 4">
             <a:extLst>
               <a:ext uri="{FF2B5EF4-FFF2-40B4-BE49-F238E27FC236}">
-                <a16:creationId xmlns:a16="http://schemas.microsoft.com/office/drawing/2014/main" id="{0FBC8392-6DB7-E841-AF42-C9BE9D436DF5}"/>
+                <a16:creationId xmlns:a16="http://schemas.microsoft.com/office/drawing/2014/main" xmlns="" id="{0FBC8392-6DB7-E841-AF42-C9BE9D436DF5}"/>
               </a:ext>
             </a:extLst>
           </p:cNvPr>
@@ -2051,7 +2054,7 @@
           <p:cNvPr id="2" name="Date Placeholder 1">
             <a:extLst>
               <a:ext uri="{FF2B5EF4-FFF2-40B4-BE49-F238E27FC236}">
-                <a16:creationId xmlns:a16="http://schemas.microsoft.com/office/drawing/2014/main" id="{68D07110-4665-B84A-ABE6-5B72ABEC67E8}"/>
+                <a16:creationId xmlns:a16="http://schemas.microsoft.com/office/drawing/2014/main" xmlns="" id="{68D07110-4665-B84A-ABE6-5B72ABEC67E8}"/>
               </a:ext>
             </a:extLst>
           </p:cNvPr>
@@ -2069,7 +2072,7 @@
           <a:p>
             <a:fld id="{26107E5D-E1CB-B14F-A407-F75AE50E5731}" type="datetimeFigureOut">
               <a:rPr lang="en-US" smtClean="0"/>
-              <a:t>4/5/18</a:t>
+              <a:t>4/7/18</a:t>
             </a:fld>
             <a:endParaRPr lang="en-US"/>
           </a:p>
@@ -2080,7 +2083,7 @@
           <p:cNvPr id="3" name="Footer Placeholder 2">
             <a:extLst>
               <a:ext uri="{FF2B5EF4-FFF2-40B4-BE49-F238E27FC236}">
-                <a16:creationId xmlns:a16="http://schemas.microsoft.com/office/drawing/2014/main" id="{1A607D39-DE52-9745-AF46-27A94086EB17}"/>
+                <a16:creationId xmlns:a16="http://schemas.microsoft.com/office/drawing/2014/main" xmlns="" id="{1A607D39-DE52-9745-AF46-27A94086EB17}"/>
               </a:ext>
             </a:extLst>
           </p:cNvPr>
@@ -2105,7 +2108,7 @@
           <p:cNvPr id="4" name="Slide Number Placeholder 3">
             <a:extLst>
               <a:ext uri="{FF2B5EF4-FFF2-40B4-BE49-F238E27FC236}">
-                <a16:creationId xmlns:a16="http://schemas.microsoft.com/office/drawing/2014/main" id="{F6D72845-9446-FA44-B9F1-EF0A4CD5F05E}"/>
+                <a16:creationId xmlns:a16="http://schemas.microsoft.com/office/drawing/2014/main" xmlns="" id="{F6D72845-9446-FA44-B9F1-EF0A4CD5F05E}"/>
               </a:ext>
             </a:extLst>
           </p:cNvPr>
@@ -2164,7 +2167,7 @@
           <p:cNvPr id="2" name="Title 1">
             <a:extLst>
               <a:ext uri="{FF2B5EF4-FFF2-40B4-BE49-F238E27FC236}">
-                <a16:creationId xmlns:a16="http://schemas.microsoft.com/office/drawing/2014/main" id="{129D8980-1893-D142-B678-8FE2BF58DFA2}"/>
+                <a16:creationId xmlns:a16="http://schemas.microsoft.com/office/drawing/2014/main" xmlns="" id="{129D8980-1893-D142-B678-8FE2BF58DFA2}"/>
               </a:ext>
             </a:extLst>
           </p:cNvPr>
@@ -2201,7 +2204,7 @@
           <p:cNvPr id="3" name="Content Placeholder 2">
             <a:extLst>
               <a:ext uri="{FF2B5EF4-FFF2-40B4-BE49-F238E27FC236}">
-                <a16:creationId xmlns:a16="http://schemas.microsoft.com/office/drawing/2014/main" id="{61446941-7092-484B-A44E-F4AB5CFAECEA}"/>
+                <a16:creationId xmlns:a16="http://schemas.microsoft.com/office/drawing/2014/main" xmlns="" id="{61446941-7092-484B-A44E-F4AB5CFAECEA}"/>
               </a:ext>
             </a:extLst>
           </p:cNvPr>
@@ -2291,7 +2294,7 @@
           <p:cNvPr id="4" name="Text Placeholder 3">
             <a:extLst>
               <a:ext uri="{FF2B5EF4-FFF2-40B4-BE49-F238E27FC236}">
-                <a16:creationId xmlns:a16="http://schemas.microsoft.com/office/drawing/2014/main" id="{A9696DED-7A89-E44A-A3BD-93375D1E35F9}"/>
+                <a16:creationId xmlns:a16="http://schemas.microsoft.com/office/drawing/2014/main" xmlns="" id="{A9696DED-7A89-E44A-A3BD-93375D1E35F9}"/>
               </a:ext>
             </a:extLst>
           </p:cNvPr>
@@ -2362,7 +2365,7 @@
           <p:cNvPr id="5" name="Date Placeholder 4">
             <a:extLst>
               <a:ext uri="{FF2B5EF4-FFF2-40B4-BE49-F238E27FC236}">
-                <a16:creationId xmlns:a16="http://schemas.microsoft.com/office/drawing/2014/main" id="{42D6F9B2-75E5-B14D-AB96-1F043C30A654}"/>
+                <a16:creationId xmlns:a16="http://schemas.microsoft.com/office/drawing/2014/main" xmlns="" id="{42D6F9B2-75E5-B14D-AB96-1F043C30A654}"/>
               </a:ext>
             </a:extLst>
           </p:cNvPr>
@@ -2380,7 +2383,7 @@
           <a:p>
             <a:fld id="{26107E5D-E1CB-B14F-A407-F75AE50E5731}" type="datetimeFigureOut">
               <a:rPr lang="en-US" smtClean="0"/>
-              <a:t>4/5/18</a:t>
+              <a:t>4/7/18</a:t>
             </a:fld>
             <a:endParaRPr lang="en-US"/>
           </a:p>
@@ -2391,7 +2394,7 @@
           <p:cNvPr id="6" name="Footer Placeholder 5">
             <a:extLst>
               <a:ext uri="{FF2B5EF4-FFF2-40B4-BE49-F238E27FC236}">
-                <a16:creationId xmlns:a16="http://schemas.microsoft.com/office/drawing/2014/main" id="{7BA68820-E315-EB43-9AD9-9098408299E2}"/>
+                <a16:creationId xmlns:a16="http://schemas.microsoft.com/office/drawing/2014/main" xmlns="" id="{7BA68820-E315-EB43-9AD9-9098408299E2}"/>
               </a:ext>
             </a:extLst>
           </p:cNvPr>
@@ -2416,7 +2419,7 @@
           <p:cNvPr id="7" name="Slide Number Placeholder 6">
             <a:extLst>
               <a:ext uri="{FF2B5EF4-FFF2-40B4-BE49-F238E27FC236}">
-                <a16:creationId xmlns:a16="http://schemas.microsoft.com/office/drawing/2014/main" id="{672ED9CD-B70A-7E40-91BE-C5BF8FF03900}"/>
+                <a16:creationId xmlns:a16="http://schemas.microsoft.com/office/drawing/2014/main" xmlns="" id="{672ED9CD-B70A-7E40-91BE-C5BF8FF03900}"/>
               </a:ext>
             </a:extLst>
           </p:cNvPr>
@@ -2475,7 +2478,7 @@
           <p:cNvPr id="2" name="Title 1">
             <a:extLst>
               <a:ext uri="{FF2B5EF4-FFF2-40B4-BE49-F238E27FC236}">
-                <a16:creationId xmlns:a16="http://schemas.microsoft.com/office/drawing/2014/main" id="{53B33774-4AFD-0749-B095-1A3835A6F167}"/>
+                <a16:creationId xmlns:a16="http://schemas.microsoft.com/office/drawing/2014/main" xmlns="" id="{53B33774-4AFD-0749-B095-1A3835A6F167}"/>
               </a:ext>
             </a:extLst>
           </p:cNvPr>
@@ -2512,7 +2515,7 @@
           <p:cNvPr id="3" name="Picture Placeholder 2">
             <a:extLst>
               <a:ext uri="{FF2B5EF4-FFF2-40B4-BE49-F238E27FC236}">
-                <a16:creationId xmlns:a16="http://schemas.microsoft.com/office/drawing/2014/main" id="{D067C887-2E80-4B45-B209-13421271A8AB}"/>
+                <a16:creationId xmlns:a16="http://schemas.microsoft.com/office/drawing/2014/main" xmlns="" id="{D067C887-2E80-4B45-B209-13421271A8AB}"/>
               </a:ext>
             </a:extLst>
           </p:cNvPr>
@@ -2579,7 +2582,7 @@
           <p:cNvPr id="4" name="Text Placeholder 3">
             <a:extLst>
               <a:ext uri="{FF2B5EF4-FFF2-40B4-BE49-F238E27FC236}">
-                <a16:creationId xmlns:a16="http://schemas.microsoft.com/office/drawing/2014/main" id="{2CFA6ED7-F6A2-4145-85B4-7F2AD59D6190}"/>
+                <a16:creationId xmlns:a16="http://schemas.microsoft.com/office/drawing/2014/main" xmlns="" id="{2CFA6ED7-F6A2-4145-85B4-7F2AD59D6190}"/>
               </a:ext>
             </a:extLst>
           </p:cNvPr>
@@ -2650,7 +2653,7 @@
           <p:cNvPr id="5" name="Date Placeholder 4">
             <a:extLst>
               <a:ext uri="{FF2B5EF4-FFF2-40B4-BE49-F238E27FC236}">
-                <a16:creationId xmlns:a16="http://schemas.microsoft.com/office/drawing/2014/main" id="{2FAA1953-25DF-6746-B8D9-84102CCD9DB3}"/>
+                <a16:creationId xmlns:a16="http://schemas.microsoft.com/office/drawing/2014/main" xmlns="" id="{2FAA1953-25DF-6746-B8D9-84102CCD9DB3}"/>
               </a:ext>
             </a:extLst>
           </p:cNvPr>
@@ -2668,7 +2671,7 @@
           <a:p>
             <a:fld id="{26107E5D-E1CB-B14F-A407-F75AE50E5731}" type="datetimeFigureOut">
               <a:rPr lang="en-US" smtClean="0"/>
-              <a:t>4/5/18</a:t>
+              <a:t>4/7/18</a:t>
             </a:fld>
             <a:endParaRPr lang="en-US"/>
           </a:p>
@@ -2679,7 +2682,7 @@
           <p:cNvPr id="6" name="Footer Placeholder 5">
             <a:extLst>
               <a:ext uri="{FF2B5EF4-FFF2-40B4-BE49-F238E27FC236}">
-                <a16:creationId xmlns:a16="http://schemas.microsoft.com/office/drawing/2014/main" id="{5626DA4D-3B91-B045-9156-BC549A5BEB4D}"/>
+                <a16:creationId xmlns:a16="http://schemas.microsoft.com/office/drawing/2014/main" xmlns="" id="{5626DA4D-3B91-B045-9156-BC549A5BEB4D}"/>
               </a:ext>
             </a:extLst>
           </p:cNvPr>
@@ -2704,7 +2707,7 @@
           <p:cNvPr id="7" name="Slide Number Placeholder 6">
             <a:extLst>
               <a:ext uri="{FF2B5EF4-FFF2-40B4-BE49-F238E27FC236}">
-                <a16:creationId xmlns:a16="http://schemas.microsoft.com/office/drawing/2014/main" id="{DA24E58E-F06C-4E46-9441-C5EFC54D659B}"/>
+                <a16:creationId xmlns:a16="http://schemas.microsoft.com/office/drawing/2014/main" xmlns="" id="{DA24E58E-F06C-4E46-9441-C5EFC54D659B}"/>
               </a:ext>
             </a:extLst>
           </p:cNvPr>
@@ -2768,7 +2771,7 @@
           <p:cNvPr id="2" name="Title Placeholder 1">
             <a:extLst>
               <a:ext uri="{FF2B5EF4-FFF2-40B4-BE49-F238E27FC236}">
-                <a16:creationId xmlns:a16="http://schemas.microsoft.com/office/drawing/2014/main" id="{AADEFD60-37B8-B840-BE45-8F6429E87C76}"/>
+                <a16:creationId xmlns:a16="http://schemas.microsoft.com/office/drawing/2014/main" xmlns="" id="{AADEFD60-37B8-B840-BE45-8F6429E87C76}"/>
               </a:ext>
             </a:extLst>
           </p:cNvPr>
@@ -2806,7 +2809,7 @@
           <p:cNvPr id="3" name="Text Placeholder 2">
             <a:extLst>
               <a:ext uri="{FF2B5EF4-FFF2-40B4-BE49-F238E27FC236}">
-                <a16:creationId xmlns:a16="http://schemas.microsoft.com/office/drawing/2014/main" id="{FCE50F4F-C801-A94E-B079-F990EB395681}"/>
+                <a16:creationId xmlns:a16="http://schemas.microsoft.com/office/drawing/2014/main" xmlns="" id="{FCE50F4F-C801-A94E-B079-F990EB395681}"/>
               </a:ext>
             </a:extLst>
           </p:cNvPr>
@@ -2873,7 +2876,7 @@
           <p:cNvPr id="4" name="Date Placeholder 3">
             <a:extLst>
               <a:ext uri="{FF2B5EF4-FFF2-40B4-BE49-F238E27FC236}">
-                <a16:creationId xmlns:a16="http://schemas.microsoft.com/office/drawing/2014/main" id="{A06E137E-D20A-CE4D-AF65-BCA7ECEE646F}"/>
+                <a16:creationId xmlns:a16="http://schemas.microsoft.com/office/drawing/2014/main" xmlns="" id="{A06E137E-D20A-CE4D-AF65-BCA7ECEE646F}"/>
               </a:ext>
             </a:extLst>
           </p:cNvPr>
@@ -2909,7 +2912,7 @@
           <a:p>
             <a:fld id="{26107E5D-E1CB-B14F-A407-F75AE50E5731}" type="datetimeFigureOut">
               <a:rPr lang="en-US" smtClean="0"/>
-              <a:t>4/5/18</a:t>
+              <a:t>4/7/18</a:t>
             </a:fld>
             <a:endParaRPr lang="en-US"/>
           </a:p>
@@ -2920,7 +2923,7 @@
           <p:cNvPr id="5" name="Footer Placeholder 4">
             <a:extLst>
               <a:ext uri="{FF2B5EF4-FFF2-40B4-BE49-F238E27FC236}">
-                <a16:creationId xmlns:a16="http://schemas.microsoft.com/office/drawing/2014/main" id="{EE78E016-22B8-D445-B80D-C5BD785F5A10}"/>
+                <a16:creationId xmlns:a16="http://schemas.microsoft.com/office/drawing/2014/main" xmlns="" id="{EE78E016-22B8-D445-B80D-C5BD785F5A10}"/>
               </a:ext>
             </a:extLst>
           </p:cNvPr>
@@ -2963,7 +2966,7 @@
           <p:cNvPr id="6" name="Slide Number Placeholder 5">
             <a:extLst>
               <a:ext uri="{FF2B5EF4-FFF2-40B4-BE49-F238E27FC236}">
-                <a16:creationId xmlns:a16="http://schemas.microsoft.com/office/drawing/2014/main" id="{5ED2D1D1-0688-7D4D-8B4C-3CDEF6A388CA}"/>
+                <a16:creationId xmlns:a16="http://schemas.microsoft.com/office/drawing/2014/main" xmlns="" id="{5ED2D1D1-0688-7D4D-8B4C-3CDEF6A388CA}"/>
               </a:ext>
             </a:extLst>
           </p:cNvPr>
@@ -3331,7 +3334,7 @@
           <p:cNvPr id="2" name="Title 1">
             <a:extLst>
               <a:ext uri="{FF2B5EF4-FFF2-40B4-BE49-F238E27FC236}">
-                <a16:creationId xmlns:a16="http://schemas.microsoft.com/office/drawing/2014/main" id="{D5F572C6-E260-2D4B-BC37-32FAD843F4E3}"/>
+                <a16:creationId xmlns:a16="http://schemas.microsoft.com/office/drawing/2014/main" xmlns="" id="{D5F572C6-E260-2D4B-BC37-32FAD843F4E3}"/>
               </a:ext>
             </a:extLst>
           </p:cNvPr>
@@ -3361,7 +3364,7 @@
           <p:cNvPr id="3" name="Subtitle 2">
             <a:extLst>
               <a:ext uri="{FF2B5EF4-FFF2-40B4-BE49-F238E27FC236}">
-                <a16:creationId xmlns:a16="http://schemas.microsoft.com/office/drawing/2014/main" id="{A07F803C-19BD-7047-B37E-1292E83D4BA7}"/>
+                <a16:creationId xmlns:a16="http://schemas.microsoft.com/office/drawing/2014/main" xmlns="" id="{A07F803C-19BD-7047-B37E-1292E83D4BA7}"/>
               </a:ext>
             </a:extLst>
           </p:cNvPr>
@@ -3430,7 +3433,7 @@
           <p:cNvPr id="2" name="Title 1">
             <a:extLst>
               <a:ext uri="{FF2B5EF4-FFF2-40B4-BE49-F238E27FC236}">
-                <a16:creationId xmlns:a16="http://schemas.microsoft.com/office/drawing/2014/main" id="{99CBA847-3FCD-F145-9D76-8DDE4F44FDD3}"/>
+                <a16:creationId xmlns:a16="http://schemas.microsoft.com/office/drawing/2014/main" xmlns="" id="{99CBA847-3FCD-F145-9D76-8DDE4F44FDD3}"/>
               </a:ext>
             </a:extLst>
           </p:cNvPr>
@@ -3458,7 +3461,7 @@
           <p:cNvPr id="3" name="Content Placeholder 2">
             <a:extLst>
               <a:ext uri="{FF2B5EF4-FFF2-40B4-BE49-F238E27FC236}">
-                <a16:creationId xmlns:a16="http://schemas.microsoft.com/office/drawing/2014/main" id="{AD1A44EB-31E2-B545-B631-BAE9542E8208}"/>
+                <a16:creationId xmlns:a16="http://schemas.microsoft.com/office/drawing/2014/main" xmlns="" id="{AD1A44EB-31E2-B545-B631-BAE9542E8208}"/>
               </a:ext>
             </a:extLst>
           </p:cNvPr>
@@ -3519,7 +3522,7 @@
           <p:cNvPr id="2" name="Title 1">
             <a:extLst>
               <a:ext uri="{FF2B5EF4-FFF2-40B4-BE49-F238E27FC236}">
-                <a16:creationId xmlns:a16="http://schemas.microsoft.com/office/drawing/2014/main" id="{96551CB0-FEF7-3947-BB8E-5F915868EBF1}"/>
+                <a16:creationId xmlns:a16="http://schemas.microsoft.com/office/drawing/2014/main" xmlns="" id="{96551CB0-FEF7-3947-BB8E-5F915868EBF1}"/>
               </a:ext>
             </a:extLst>
           </p:cNvPr>
@@ -3547,7 +3550,7 @@
           <p:cNvPr id="3" name="Content Placeholder 2">
             <a:extLst>
               <a:ext uri="{FF2B5EF4-FFF2-40B4-BE49-F238E27FC236}">
-                <a16:creationId xmlns:a16="http://schemas.microsoft.com/office/drawing/2014/main" id="{AD576E6D-174F-E844-BE52-FC7D9F7A57BE}"/>
+                <a16:creationId xmlns:a16="http://schemas.microsoft.com/office/drawing/2014/main" xmlns="" id="{AD576E6D-174F-E844-BE52-FC7D9F7A57BE}"/>
               </a:ext>
             </a:extLst>
           </p:cNvPr>
@@ -3642,7 +3645,7 @@
           <p:cNvPr id="2" name="Title 1">
             <a:extLst>
               <a:ext uri="{FF2B5EF4-FFF2-40B4-BE49-F238E27FC236}">
-                <a16:creationId xmlns:a16="http://schemas.microsoft.com/office/drawing/2014/main" id="{467E40CB-61F4-D549-9063-8333DD662BE3}"/>
+                <a16:creationId xmlns:a16="http://schemas.microsoft.com/office/drawing/2014/main" xmlns="" id="{467E40CB-61F4-D549-9063-8333DD662BE3}"/>
               </a:ext>
             </a:extLst>
           </p:cNvPr>
@@ -3665,14 +3668,14 @@
           </a:p>
         </p:txBody>
       </p:sp>
-      <mc:AlternateContent xmlns:mc="http://schemas.openxmlformats.org/markup-compatibility/2006">
-        <mc:Choice xmlns:a14="http://schemas.microsoft.com/office/drawing/2010/main" Requires="a14">
+      <mc:AlternateContent xmlns:mc="http://schemas.openxmlformats.org/markup-compatibility/2006" xmlns:a14="http://schemas.microsoft.com/office/drawing/2010/main">
+        <mc:Choice Requires="a14">
           <p:sp>
             <p:nvSpPr>
               <p:cNvPr id="3" name="Content Placeholder 2">
                 <a:extLst>
                   <a:ext uri="{FF2B5EF4-FFF2-40B4-BE49-F238E27FC236}">
-                    <a16:creationId xmlns:a16="http://schemas.microsoft.com/office/drawing/2014/main" id="{2B5AC506-3D8A-6A47-B9F5-7D7A86F4A8AB}"/>
+                    <a16:creationId xmlns:a16="http://schemas.microsoft.com/office/drawing/2014/main" xmlns="" id="{2B5AC506-3D8A-6A47-B9F5-7D7A86F4A8AB}"/>
                   </a:ext>
                 </a:extLst>
               </p:cNvPr>
@@ -3721,7 +3724,7 @@
                   <a:buNone/>
                 </a:pPr>
                 <a14:m>
-                  <m:oMathPara xmlns:m="http://schemas.openxmlformats.org/officeDocument/2006/math">
+                  <m:oMathPara xmlns:m="http://schemas.openxmlformats.org/officeDocument/2006/math" xmlns="">
                     <m:oMathParaPr>
                       <m:jc m:val="centerGroup"/>
                     </m:oMathParaPr>
@@ -3880,6 +3883,10 @@
                 </a:r>
               </a:p>
               <a:p>
+                <a:r>
+                  <a:rPr lang="en-US" dirty="0"/>
+                  <a:t/>
+                </a:r>
                 <a:br>
                   <a:rPr lang="en-US" dirty="0"/>
                 </a:br>
@@ -3888,7 +3895,7 @@
             </p:txBody>
           </p:sp>
         </mc:Choice>
-        <mc:Fallback>
+        <mc:Fallback xmlns="">
           <p:sp>
             <p:nvSpPr>
               <p:cNvPr id="3" name="Content Placeholder 2">
@@ -3963,7 +3970,7 @@
           <p:cNvPr id="2" name="Title 1">
             <a:extLst>
               <a:ext uri="{FF2B5EF4-FFF2-40B4-BE49-F238E27FC236}">
-                <a16:creationId xmlns:a16="http://schemas.microsoft.com/office/drawing/2014/main" id="{A1FD3F91-48BA-104E-98CE-E22D28025968}"/>
+                <a16:creationId xmlns:a16="http://schemas.microsoft.com/office/drawing/2014/main" xmlns="" id="{A1FD3F91-48BA-104E-98CE-E22D28025968}"/>
               </a:ext>
             </a:extLst>
           </p:cNvPr>
@@ -3991,7 +3998,7 @@
           <p:cNvPr id="3" name="Content Placeholder 2">
             <a:extLst>
               <a:ext uri="{FF2B5EF4-FFF2-40B4-BE49-F238E27FC236}">
-                <a16:creationId xmlns:a16="http://schemas.microsoft.com/office/drawing/2014/main" id="{B375B921-7EAE-5A47-AD25-85C59DE880CD}"/>
+                <a16:creationId xmlns:a16="http://schemas.microsoft.com/office/drawing/2014/main" xmlns="" id="{B375B921-7EAE-5A47-AD25-85C59DE880CD}"/>
               </a:ext>
             </a:extLst>
           </p:cNvPr>
@@ -4055,7 +4062,7 @@
           <p:cNvPr id="2" name="Title 1">
             <a:extLst>
               <a:ext uri="{FF2B5EF4-FFF2-40B4-BE49-F238E27FC236}">
-                <a16:creationId xmlns:a16="http://schemas.microsoft.com/office/drawing/2014/main" id="{7CA50772-79AE-994C-BECD-85C7F6B787DA}"/>
+                <a16:creationId xmlns:a16="http://schemas.microsoft.com/office/drawing/2014/main" xmlns="" id="{7CA50772-79AE-994C-BECD-85C7F6B787DA}"/>
               </a:ext>
             </a:extLst>
           </p:cNvPr>
@@ -4083,7 +4090,7 @@
           <p:cNvPr id="3" name="Content Placeholder 2">
             <a:extLst>
               <a:ext uri="{FF2B5EF4-FFF2-40B4-BE49-F238E27FC236}">
-                <a16:creationId xmlns:a16="http://schemas.microsoft.com/office/drawing/2014/main" id="{1A6DDA5D-72BA-124B-8776-20C20E806651}"/>
+                <a16:creationId xmlns:a16="http://schemas.microsoft.com/office/drawing/2014/main" xmlns="" id="{1A6DDA5D-72BA-124B-8776-20C20E806651}"/>
               </a:ext>
             </a:extLst>
           </p:cNvPr>
@@ -4107,6 +4114,393 @@
     <p:extLst>
       <p:ext uri="{BB962C8B-B14F-4D97-AF65-F5344CB8AC3E}">
         <p14:creationId xmlns:p14="http://schemas.microsoft.com/office/powerpoint/2010/main" val="548922504"/>
+      </p:ext>
+    </p:extLst>
+  </p:cSld>
+  <p:clrMapOvr>
+    <a:masterClrMapping/>
+  </p:clrMapOvr>
+</p:sld>
+</file>
+
+<file path=ppt/slides/slide7.xml><?xml version="1.0" encoding="utf-8"?>
+<p:sld xmlns:a="http://schemas.openxmlformats.org/drawingml/2006/main" xmlns:r="http://schemas.openxmlformats.org/officeDocument/2006/relationships" xmlns:p="http://schemas.openxmlformats.org/presentationml/2006/main">
+  <p:cSld>
+    <p:spTree>
+      <p:nvGrpSpPr>
+        <p:cNvPr id="1" name=""/>
+        <p:cNvGrpSpPr/>
+        <p:nvPr/>
+      </p:nvGrpSpPr>
+      <p:grpSpPr>
+        <a:xfrm>
+          <a:off x="0" y="0"/>
+          <a:ext cx="0" cy="0"/>
+          <a:chOff x="0" y="0"/>
+          <a:chExt cx="0" cy="0"/>
+        </a:xfrm>
+      </p:grpSpPr>
+      <p:sp>
+        <p:nvSpPr>
+          <p:cNvPr id="2" name="Title 1"/>
+          <p:cNvSpPr>
+            <a:spLocks noGrp="1"/>
+          </p:cNvSpPr>
+          <p:nvPr>
+            <p:ph type="title"/>
+          </p:nvPr>
+        </p:nvSpPr>
+        <p:spPr/>
+        <p:txBody>
+          <a:bodyPr/>
+          <a:lstStyle/>
+          <a:p>
+            <a:r>
+              <a:rPr lang="en-US" dirty="0" smtClean="0"/>
+              <a:t>Survival Outcomes for DFC Clustering  </a:t>
+            </a:r>
+            <a:endParaRPr lang="en-US" dirty="0"/>
+          </a:p>
+        </p:txBody>
+      </p:sp>
+      <p:sp>
+        <p:nvSpPr>
+          <p:cNvPr id="3" name="Content Placeholder 2"/>
+          <p:cNvSpPr>
+            <a:spLocks noGrp="1"/>
+          </p:cNvSpPr>
+          <p:nvPr>
+            <p:ph idx="1"/>
+          </p:nvPr>
+        </p:nvSpPr>
+        <p:spPr>
+          <a:xfrm>
+            <a:off x="7279334" y="1528573"/>
+            <a:ext cx="4606910" cy="4051974"/>
+          </a:xfrm>
+        </p:spPr>
+        <p:txBody>
+          <a:bodyPr/>
+          <a:lstStyle/>
+          <a:p>
+            <a:r>
+              <a:rPr lang="en-US" dirty="0" smtClean="0"/>
+              <a:t>Kaplan-Meier Plots hints at cluster 1 having worse outcomes</a:t>
+            </a:r>
+          </a:p>
+          <a:p>
+            <a:r>
+              <a:rPr lang="en-US" dirty="0" smtClean="0"/>
+              <a:t>But Cox Regression fails to indicate any significant difference in survival outcomes between the clusters</a:t>
+            </a:r>
+            <a:endParaRPr lang="en-US" dirty="0"/>
+          </a:p>
+        </p:txBody>
+      </p:sp>
+      <p:pic>
+        <p:nvPicPr>
+          <p:cNvPr id="6" name="Picture 5" descr="NMFC3_Surv_plot.png"/>
+          <p:cNvPicPr>
+            <a:picLocks noChangeAspect="1"/>
+          </p:cNvPicPr>
+          <p:nvPr/>
+        </p:nvPicPr>
+        <p:blipFill>
+          <a:blip r:embed="rId2">
+            <a:extLst>
+              <a:ext uri="{28A0092B-C50C-407E-A947-70E740481C1C}">
+                <a14:useLocalDpi xmlns:a14="http://schemas.microsoft.com/office/drawing/2010/main" val="0"/>
+              </a:ext>
+            </a:extLst>
+          </a:blip>
+          <a:stretch>
+            <a:fillRect/>
+          </a:stretch>
+        </p:blipFill>
+        <p:spPr>
+          <a:xfrm>
+            <a:off x="94078" y="1299594"/>
+            <a:ext cx="6585503" cy="5417307"/>
+          </a:xfrm>
+          <a:prstGeom prst="rect">
+            <a:avLst/>
+          </a:prstGeom>
+        </p:spPr>
+      </p:pic>
+      <p:pic>
+        <p:nvPicPr>
+          <p:cNvPr id="8" name="Picture 7" descr="Screenshot 2018-04-07 16.28.32.png"/>
+          <p:cNvPicPr>
+            <a:picLocks noChangeAspect="1"/>
+          </p:cNvPicPr>
+          <p:nvPr/>
+        </p:nvPicPr>
+        <p:blipFill>
+          <a:blip r:embed="rId3">
+            <a:extLst>
+              <a:ext uri="{28A0092B-C50C-407E-A947-70E740481C1C}">
+                <a14:useLocalDpi xmlns:a14="http://schemas.microsoft.com/office/drawing/2010/main" val="0"/>
+              </a:ext>
+            </a:extLst>
+          </a:blip>
+          <a:stretch>
+            <a:fillRect/>
+          </a:stretch>
+        </p:blipFill>
+        <p:spPr>
+          <a:xfrm>
+            <a:off x="7009444" y="5580547"/>
+            <a:ext cx="4876800" cy="863600"/>
+          </a:xfrm>
+          <a:prstGeom prst="rect">
+            <a:avLst/>
+          </a:prstGeom>
+        </p:spPr>
+      </p:pic>
+    </p:spTree>
+    <p:extLst>
+      <p:ext uri="{BB962C8B-B14F-4D97-AF65-F5344CB8AC3E}">
+        <p14:creationId xmlns:p14="http://schemas.microsoft.com/office/powerpoint/2010/main" val="2941471561"/>
+      </p:ext>
+    </p:extLst>
+  </p:cSld>
+  <p:clrMapOvr>
+    <a:masterClrMapping/>
+  </p:clrMapOvr>
+</p:sld>
+</file>
+
+<file path=ppt/slides/slide8.xml><?xml version="1.0" encoding="utf-8"?>
+<p:sld xmlns:a="http://schemas.openxmlformats.org/drawingml/2006/main" xmlns:r="http://schemas.openxmlformats.org/officeDocument/2006/relationships" xmlns:p="http://schemas.openxmlformats.org/presentationml/2006/main">
+  <p:cSld>
+    <p:spTree>
+      <p:nvGrpSpPr>
+        <p:cNvPr id="1" name=""/>
+        <p:cNvGrpSpPr/>
+        <p:nvPr/>
+      </p:nvGrpSpPr>
+      <p:grpSpPr>
+        <a:xfrm>
+          <a:off x="0" y="0"/>
+          <a:ext cx="0" cy="0"/>
+          <a:chOff x="0" y="0"/>
+          <a:chExt cx="0" cy="0"/>
+        </a:xfrm>
+      </p:grpSpPr>
+      <p:sp>
+        <p:nvSpPr>
+          <p:cNvPr id="2" name="Title 1"/>
+          <p:cNvSpPr>
+            <a:spLocks noGrp="1"/>
+          </p:cNvSpPr>
+          <p:nvPr>
+            <p:ph type="title"/>
+          </p:nvPr>
+        </p:nvSpPr>
+        <p:spPr/>
+        <p:txBody>
+          <a:bodyPr/>
+          <a:lstStyle/>
+          <a:p>
+            <a:r>
+              <a:rPr lang="en-US" dirty="0" smtClean="0"/>
+              <a:t>Survival Outcomes for NMF Clustering</a:t>
+            </a:r>
+            <a:endParaRPr lang="en-US" dirty="0"/>
+          </a:p>
+        </p:txBody>
+      </p:sp>
+      <p:pic>
+        <p:nvPicPr>
+          <p:cNvPr id="4" name="Picture 3" descr="Screenshot 2018-04-07 16.47.32.png"/>
+          <p:cNvPicPr>
+            <a:picLocks noChangeAspect="1"/>
+          </p:cNvPicPr>
+          <p:nvPr/>
+        </p:nvPicPr>
+        <p:blipFill>
+          <a:blip r:embed="rId2">
+            <a:extLst>
+              <a:ext uri="{28A0092B-C50C-407E-A947-70E740481C1C}">
+                <a14:useLocalDpi xmlns:a14="http://schemas.microsoft.com/office/drawing/2010/main" val="0"/>
+              </a:ext>
+            </a:extLst>
+          </a:blip>
+          <a:stretch>
+            <a:fillRect/>
+          </a:stretch>
+        </p:blipFill>
+        <p:spPr>
+          <a:xfrm>
+            <a:off x="0" y="1690687"/>
+            <a:ext cx="6844220" cy="4952725"/>
+          </a:xfrm>
+          <a:prstGeom prst="rect">
+            <a:avLst/>
+          </a:prstGeom>
+        </p:spPr>
+      </p:pic>
+      <p:pic>
+        <p:nvPicPr>
+          <p:cNvPr id="5" name="Picture 4" descr="Screenshot 2018-04-07 16.57.56.png"/>
+          <p:cNvPicPr>
+            <a:picLocks noChangeAspect="1"/>
+          </p:cNvPicPr>
+          <p:nvPr/>
+        </p:nvPicPr>
+        <p:blipFill>
+          <a:blip r:embed="rId3">
+            <a:extLst>
+              <a:ext uri="{28A0092B-C50C-407E-A947-70E740481C1C}">
+                <a14:useLocalDpi xmlns:a14="http://schemas.microsoft.com/office/drawing/2010/main" val="0"/>
+              </a:ext>
+            </a:extLst>
+          </a:blip>
+          <a:stretch>
+            <a:fillRect/>
+          </a:stretch>
+        </p:blipFill>
+        <p:spPr>
+          <a:xfrm>
+            <a:off x="7021682" y="5255426"/>
+            <a:ext cx="5029200" cy="965200"/>
+          </a:xfrm>
+          <a:prstGeom prst="rect">
+            <a:avLst/>
+          </a:prstGeom>
+        </p:spPr>
+      </p:pic>
+      <p:sp>
+        <p:nvSpPr>
+          <p:cNvPr id="7" name="TextBox 6"/>
+          <p:cNvSpPr txBox="1"/>
+          <p:nvPr/>
+        </p:nvSpPr>
+        <p:spPr>
+          <a:xfrm>
+            <a:off x="7021682" y="1587364"/>
+            <a:ext cx="4879262" cy="3539431"/>
+          </a:xfrm>
+          <a:prstGeom prst="rect">
+            <a:avLst/>
+          </a:prstGeom>
+          <a:noFill/>
+        </p:spPr>
+        <p:txBody>
+          <a:bodyPr wrap="square" rtlCol="0">
+            <a:spAutoFit/>
+          </a:bodyPr>
+          <a:lstStyle/>
+          <a:p>
+            <a:pPr marL="457200" indent="-457200">
+              <a:buFont typeface="Arial"/>
+              <a:buChar char="•"/>
+            </a:pPr>
+            <a:r>
+              <a:rPr lang="en-US" sz="2800" dirty="0" smtClean="0"/>
+              <a:t>This time, both KM and cox regression find that cluster 1 is significantly different at least from cluster 3.</a:t>
+            </a:r>
+          </a:p>
+          <a:p>
+            <a:pPr marL="457200" indent="-457200">
+              <a:buFont typeface="Arial"/>
+              <a:buChar char="•"/>
+            </a:pPr>
+            <a:endParaRPr lang="en-US" sz="2800" dirty="0"/>
+          </a:p>
+          <a:p>
+            <a:pPr marL="457200" indent="-457200">
+              <a:buFont typeface="Arial"/>
+              <a:buChar char="•"/>
+            </a:pPr>
+            <a:r>
+              <a:rPr lang="en-US" sz="2800" dirty="0" smtClean="0"/>
+              <a:t>This points </a:t>
+            </a:r>
+            <a:r>
+              <a:rPr lang="en-US" sz="2800" smtClean="0"/>
+              <a:t>to (at least </a:t>
+            </a:r>
+            <a:r>
+              <a:rPr lang="en-US" sz="2800" dirty="0" smtClean="0"/>
+              <a:t>in terms of survival) some kind of robustness in clustering</a:t>
+            </a:r>
+            <a:endParaRPr lang="en-US" sz="2800" dirty="0"/>
+          </a:p>
+        </p:txBody>
+      </p:sp>
+    </p:spTree>
+    <p:extLst>
+      <p:ext uri="{BB962C8B-B14F-4D97-AF65-F5344CB8AC3E}">
+        <p14:creationId xmlns:p14="http://schemas.microsoft.com/office/powerpoint/2010/main" val="2240410175"/>
+      </p:ext>
+    </p:extLst>
+  </p:cSld>
+  <p:clrMapOvr>
+    <a:masterClrMapping/>
+  </p:clrMapOvr>
+</p:sld>
+</file>
+
+<file path=ppt/slides/slide9.xml><?xml version="1.0" encoding="utf-8"?>
+<p:sld xmlns:a="http://schemas.openxmlformats.org/drawingml/2006/main" xmlns:r="http://schemas.openxmlformats.org/officeDocument/2006/relationships" xmlns:p="http://schemas.openxmlformats.org/presentationml/2006/main">
+  <p:cSld>
+    <p:spTree>
+      <p:nvGrpSpPr>
+        <p:cNvPr id="1" name=""/>
+        <p:cNvGrpSpPr/>
+        <p:nvPr/>
+      </p:nvGrpSpPr>
+      <p:grpSpPr>
+        <a:xfrm>
+          <a:off x="0" y="0"/>
+          <a:ext cx="0" cy="0"/>
+          <a:chOff x="0" y="0"/>
+          <a:chExt cx="0" cy="0"/>
+        </a:xfrm>
+      </p:grpSpPr>
+      <p:sp>
+        <p:nvSpPr>
+          <p:cNvPr id="2" name="Title 1"/>
+          <p:cNvSpPr>
+            <a:spLocks noGrp="1"/>
+          </p:cNvSpPr>
+          <p:nvPr>
+            <p:ph type="title"/>
+          </p:nvPr>
+        </p:nvSpPr>
+        <p:spPr/>
+        <p:txBody>
+          <a:bodyPr/>
+          <a:lstStyle/>
+          <a:p>
+            <a:endParaRPr lang="en-US"/>
+          </a:p>
+        </p:txBody>
+      </p:sp>
+      <p:sp>
+        <p:nvSpPr>
+          <p:cNvPr id="3" name="Content Placeholder 2"/>
+          <p:cNvSpPr>
+            <a:spLocks noGrp="1"/>
+          </p:cNvSpPr>
+          <p:nvPr>
+            <p:ph idx="1"/>
+          </p:nvPr>
+        </p:nvSpPr>
+        <p:spPr/>
+        <p:txBody>
+          <a:bodyPr/>
+          <a:lstStyle/>
+          <a:p>
+            <a:endParaRPr lang="en-US"/>
+          </a:p>
+        </p:txBody>
+      </p:sp>
+    </p:spTree>
+    <p:extLst>
+      <p:ext uri="{BB962C8B-B14F-4D97-AF65-F5344CB8AC3E}">
+        <p14:creationId xmlns:p14="http://schemas.microsoft.com/office/powerpoint/2010/main" val="2095898512"/>
       </p:ext>
     </p:extLst>
   </p:cSld>
@@ -4159,7 +4553,7 @@
     </a:clrScheme>
     <a:fontScheme name="Office">
       <a:majorFont>
-        <a:latin typeface="Calibri Light" panose="020F0302020204030204"/>
+        <a:latin typeface="Calibri Light"/>
         <a:ea typeface=""/>
         <a:cs typeface=""/>
         <a:font script="Jpan" typeface="游ゴシック Light"/>
@@ -4211,7 +4605,7 @@
         <a:font script="Tfng" typeface="Ebrima"/>
       </a:majorFont>
       <a:minorFont>
-        <a:latin typeface="Calibri" panose="020F0502020204030204"/>
+        <a:latin typeface="Calibri"/>
         <a:ea typeface=""/>
         <a:cs typeface=""/>
         <a:font script="Jpan" typeface="游ゴシック"/>
@@ -4405,7 +4799,7 @@
   <a:extraClrSchemeLst/>
   <a:extLst>
     <a:ext uri="{05A4C25C-085E-4340-85A3-A5531E510DB2}">
-      <thm15:themeFamily xmlns:thm15="http://schemas.microsoft.com/office/thememl/2012/main" name="Office Theme" id="{62F939B6-93AF-4DB8-9C6B-D6C7DFDC589F}" vid="{4A3C46E8-61CC-4603-A589-7422A47A8E4A}"/>
+      <thm15:themeFamily xmlns:thm15="http://schemas.microsoft.com/office/thememl/2012/main" xmlns="" name="Office Theme" id="{62F939B6-93AF-4DB8-9C6B-D6C7DFDC589F}" vid="{4A3C46E8-61CC-4603-A589-7422A47A8E4A}"/>
     </a:ext>
   </a:extLst>
 </a:theme>
